--- a/PRD/Zhong_Presentation.pptx
+++ b/PRD/Zhong_Presentation.pptx
@@ -108,6 +108,11 @@
       </a:defRPr>
     </a:lvl9pPr>
   </p:defaultTextStyle>
+  <p:extLst>
+    <p:ext uri="{EFAFB233-063F-42B5-8137-9DF3F51BA10A}">
+      <p15:sldGuideLst xmlns:p15="http://schemas.microsoft.com/office/powerpoint/2012/main"/>
+    </p:ext>
+  </p:extLst>
 </p:presentation>
 </file>
 
@@ -3077,7 +3082,7 @@
         </p:spPr>
         <p:txBody>
           <a:bodyPr>
-            <a:normAutofit lnSpcReduction="10000"/>
+            <a:normAutofit fontScale="92500"/>
           </a:bodyPr>
           <a:lstStyle/>
           <a:p>
@@ -3089,8 +3094,13 @@
           <a:p>
             <a:r>
               <a:rPr lang="en-NZ" dirty="0" smtClean="0"/>
-              <a:t>Three axles using spur gears – most simple, cheap design</a:t>
-            </a:r>
+              <a:t>Three axles using spur gears – most simple, cheap </a:t>
+            </a:r>
+            <a:r>
+              <a:rPr lang="en-NZ" dirty="0" smtClean="0"/>
+              <a:t>design, allows higher quality parts</a:t>
+            </a:r>
+            <a:endParaRPr lang="en-NZ" dirty="0" smtClean="0"/>
           </a:p>
           <a:p>
             <a:r>
@@ -3210,7 +3220,7 @@
         </p:spPr>
         <p:txBody>
           <a:bodyPr>
-            <a:normAutofit fontScale="85000" lnSpcReduction="20000"/>
+            <a:normAutofit fontScale="62500" lnSpcReduction="20000"/>
           </a:bodyPr>
           <a:lstStyle/>
           <a:p>
@@ -3218,6 +3228,25 @@
               <a:rPr lang="en-NZ" dirty="0" smtClean="0"/>
               <a:t>Gears: 20 teeth to 50 teeth for 2.5 ratio</a:t>
             </a:r>
+          </a:p>
+          <a:p>
+            <a:r>
+              <a:rPr lang="en-NZ" dirty="0"/>
+              <a:t>Small </a:t>
+            </a:r>
+            <a:r>
+              <a:rPr lang="en-NZ" dirty="0" smtClean="0"/>
+              <a:t>gears instead of big </a:t>
+            </a:r>
+            <a:r>
+              <a:rPr lang="en-NZ" dirty="0"/>
+              <a:t>– less </a:t>
+            </a:r>
+            <a:r>
+              <a:rPr lang="en-NZ" dirty="0" smtClean="0"/>
+              <a:t>inertia</a:t>
+            </a:r>
+            <a:endParaRPr lang="en-NZ" dirty="0" smtClean="0"/>
           </a:p>
           <a:p>
             <a:r>
@@ -3230,14 +3259,31 @@
             </a:r>
             <a:r>
               <a:rPr lang="en-NZ" dirty="0" smtClean="0"/>
-              <a:t> pitch – more teeth for better meshing</a:t>
-            </a:r>
-          </a:p>
-          <a:p>
-            <a:r>
-              <a:rPr lang="en-NZ" dirty="0" smtClean="0"/>
-              <a:t>Aluminium – stronger than plastic, able to machine</a:t>
-            </a:r>
+              <a:t> pitch </a:t>
+            </a:r>
+            <a:r>
+              <a:rPr lang="en-NZ" dirty="0" smtClean="0"/>
+              <a:t>instead of lower values – </a:t>
+            </a:r>
+            <a:r>
+              <a:rPr lang="en-NZ" dirty="0" smtClean="0"/>
+              <a:t>more teeth for better meshing</a:t>
+            </a:r>
+          </a:p>
+          <a:p>
+            <a:r>
+              <a:rPr lang="en-NZ" dirty="0" smtClean="0"/>
+              <a:t>Aluminium instead of plastic/steel </a:t>
+            </a:r>
+            <a:r>
+              <a:rPr lang="en-NZ" dirty="0" smtClean="0"/>
+              <a:t>– stronger than plastic, able to </a:t>
+            </a:r>
+            <a:r>
+              <a:rPr lang="en-NZ" dirty="0" smtClean="0"/>
+              <a:t>machine if needed</a:t>
+            </a:r>
+            <a:endParaRPr lang="en-NZ" dirty="0" smtClean="0"/>
           </a:p>
           <a:p>
             <a:r>
@@ -3248,23 +3294,30 @@
           <a:p>
             <a:r>
               <a:rPr lang="en-NZ" dirty="0" smtClean="0"/>
-              <a:t>Small gears – less inertia</a:t>
-            </a:r>
-          </a:p>
-          <a:p>
-            <a:r>
-              <a:rPr lang="en-NZ" dirty="0" smtClean="0"/>
-              <a:t>20 degree pressure angle – moderate, most common</a:t>
-            </a:r>
-          </a:p>
-          <a:p>
-            <a:r>
-              <a:rPr lang="en-NZ" dirty="0" smtClean="0"/>
-              <a:t>Wide face width (0.1875) – more contact area</a:t>
-            </a:r>
-          </a:p>
-          <a:p>
-            <a:endParaRPr lang="en-NZ" dirty="0"/>
+              <a:t>20 </a:t>
+            </a:r>
+            <a:r>
+              <a:rPr lang="en-NZ" dirty="0" smtClean="0"/>
+              <a:t>degree pressure </a:t>
+            </a:r>
+            <a:r>
+              <a:rPr lang="en-NZ" dirty="0" smtClean="0"/>
+              <a:t>angle – only size available. Would have preferred 14.5 for better meshing.</a:t>
+            </a:r>
+          </a:p>
+          <a:p>
+            <a:r>
+              <a:rPr lang="en-NZ" dirty="0" smtClean="0"/>
+              <a:t>Wide </a:t>
+            </a:r>
+            <a:r>
+              <a:rPr lang="en-NZ" dirty="0" smtClean="0"/>
+              <a:t>face width (0.1875) – more contact </a:t>
+            </a:r>
+            <a:r>
+              <a:rPr lang="en-NZ" dirty="0" smtClean="0"/>
+              <a:t>area</a:t>
+            </a:r>
           </a:p>
         </p:txBody>
       </p:sp>
@@ -3369,26 +3422,60 @@
         </p:spPr>
         <p:txBody>
           <a:bodyPr>
-            <a:normAutofit fontScale="92500" lnSpcReduction="10000"/>
+            <a:normAutofit fontScale="85000" lnSpcReduction="20000"/>
           </a:bodyPr>
           <a:lstStyle/>
           <a:p>
             <a:r>
               <a:rPr lang="en-NZ" dirty="0" smtClean="0"/>
-              <a:t>Steel Ball Bearings for better efficiency / lower friction</a:t>
-            </a:r>
-          </a:p>
-          <a:p>
-            <a:r>
-              <a:rPr lang="en-NZ" dirty="0" smtClean="0"/>
-              <a:t>Flanged so shaft/bearings are constrained</a:t>
-            </a:r>
-          </a:p>
-          <a:p>
-            <a:r>
-              <a:rPr lang="en-NZ" dirty="0" smtClean="0"/>
-              <a:t>Set screw collars – easy adjustment on D shaft</a:t>
-            </a:r>
+              <a:t>Steel Ball Bearings for better efficiency / lower </a:t>
+            </a:r>
+            <a:r>
+              <a:rPr lang="en-NZ" dirty="0" smtClean="0"/>
+              <a:t>friction than bushings</a:t>
+            </a:r>
+            <a:endParaRPr lang="en-NZ" dirty="0" smtClean="0"/>
+          </a:p>
+          <a:p>
+            <a:r>
+              <a:rPr lang="en-NZ" dirty="0" smtClean="0"/>
+              <a:t>Flanged </a:t>
+            </a:r>
+            <a:r>
+              <a:rPr lang="en-NZ" dirty="0" smtClean="0"/>
+              <a:t>instead of </a:t>
+            </a:r>
+            <a:r>
+              <a:rPr lang="en-NZ" dirty="0" err="1" smtClean="0"/>
+              <a:t>unflanged</a:t>
+            </a:r>
+            <a:r>
+              <a:rPr lang="en-NZ" dirty="0" smtClean="0"/>
+              <a:t> - so </a:t>
+            </a:r>
+            <a:r>
+              <a:rPr lang="en-NZ" dirty="0" smtClean="0"/>
+              <a:t>shaft/bearings are constrained</a:t>
+            </a:r>
+          </a:p>
+          <a:p>
+            <a:r>
+              <a:rPr lang="en-NZ" dirty="0" smtClean="0"/>
+              <a:t>Set screw </a:t>
+            </a:r>
+            <a:r>
+              <a:rPr lang="en-NZ" dirty="0" smtClean="0"/>
+              <a:t>collars instead of  </a:t>
+            </a:r>
+            <a:r>
+              <a:rPr lang="en-NZ" dirty="0" smtClean="0"/>
+              <a:t>– easy adjustment on D </a:t>
+            </a:r>
+            <a:r>
+              <a:rPr lang="en-NZ" dirty="0" smtClean="0"/>
+              <a:t>shaft, cheap</a:t>
+            </a:r>
+            <a:endParaRPr lang="en-NZ" dirty="0" smtClean="0"/>
           </a:p>
           <a:p>
             <a:r>
@@ -3399,8 +3486,19 @@
           <a:p>
             <a:r>
               <a:rPr lang="en-NZ" dirty="0" smtClean="0"/>
-              <a:t>Extended inner race – collars only contact inner rotating part of bearing. Minimizes friction.</a:t>
-            </a:r>
+              <a:t>Extended inner race – collars only contact inner rotating part of bearing. Minimizes friction</a:t>
+            </a:r>
+            <a:r>
+              <a:rPr lang="en-NZ" dirty="0" smtClean="0"/>
+              <a:t>.</a:t>
+            </a:r>
+          </a:p>
+          <a:p>
+            <a:r>
+              <a:rPr lang="en-NZ" dirty="0" smtClean="0"/>
+              <a:t>Initially wanted bearings with set screw collars – too expensive</a:t>
+            </a:r>
+            <a:endParaRPr lang="en-NZ" dirty="0" smtClean="0"/>
           </a:p>
           <a:p>
             <a:endParaRPr lang="en-NZ" dirty="0"/>
@@ -3507,13 +3605,26 @@
           </a:xfrm>
         </p:spPr>
         <p:txBody>
-          <a:bodyPr/>
-          <a:lstStyle/>
-          <a:p>
-            <a:r>
-              <a:rPr lang="en-NZ" dirty="0" smtClean="0"/>
-              <a:t>Machined slots at bottom for close, flat fit</a:t>
-            </a:r>
+          <a:bodyPr>
+            <a:normAutofit fontScale="92500" lnSpcReduction="20000"/>
+          </a:bodyPr>
+          <a:lstStyle/>
+          <a:p>
+            <a:r>
+              <a:rPr lang="en-NZ" dirty="0" smtClean="0"/>
+              <a:t>Machined slots at bottom for close, flat </a:t>
+            </a:r>
+            <a:r>
+              <a:rPr lang="en-NZ" dirty="0" smtClean="0"/>
+              <a:t>fit</a:t>
+            </a:r>
+          </a:p>
+          <a:p>
+            <a:r>
+              <a:rPr lang="en-NZ" dirty="0" smtClean="0"/>
+              <a:t>10-32 set screws</a:t>
+            </a:r>
+            <a:endParaRPr lang="en-NZ" dirty="0" smtClean="0"/>
           </a:p>
           <a:p>
             <a:r>
@@ -3524,7 +3635,17 @@
           <a:p>
             <a:r>
               <a:rPr lang="en-NZ" dirty="0" smtClean="0"/>
-              <a:t>Flange nut to spread out pressure more</a:t>
+              <a:t>Flange nut to spread out pressure </a:t>
+            </a:r>
+            <a:r>
+              <a:rPr lang="en-NZ" dirty="0" smtClean="0"/>
+              <a:t>more</a:t>
+            </a:r>
+          </a:p>
+          <a:p>
+            <a:r>
+              <a:rPr lang="en-NZ" dirty="0" smtClean="0"/>
+              <a:t>Shaft steel – more rigid than other materials. ¼ inch as most popular bore size for gears. </a:t>
             </a:r>
             <a:endParaRPr lang="en-NZ" dirty="0"/>
           </a:p>
